--- a/Module-2/ADO/PPT/ADO.NET ARCHITECHTURE.pptx
+++ b/Module-2/ADO/PPT/ADO.NET ARCHITECHTURE.pptx
@@ -401,7 +401,7 @@
             <a:fld id="{1D8BD707-D9CF-40AE-B4C6-C98DA3205C09}" type="datetimeFigureOut">
               <a:rPr lang="en-US" smtClean="0"/>
               <a:pPr/>
-              <a:t>7/22/2012</a:t>
+              <a:t>5/13/2021</a:t>
             </a:fld>
             <a:endParaRPr lang="en-US"/>
           </a:p>
@@ -594,7 +594,7 @@
             <a:fld id="{1D8BD707-D9CF-40AE-B4C6-C98DA3205C09}" type="datetimeFigureOut">
               <a:rPr lang="en-US" smtClean="0"/>
               <a:pPr/>
-              <a:t>7/22/2012</a:t>
+              <a:t>5/13/2021</a:t>
             </a:fld>
             <a:endParaRPr lang="en-US"/>
           </a:p>
@@ -781,7 +781,7 @@
             <a:fld id="{1D8BD707-D9CF-40AE-B4C6-C98DA3205C09}" type="datetimeFigureOut">
               <a:rPr lang="en-US" smtClean="0"/>
               <a:pPr/>
-              <a:t>7/22/2012</a:t>
+              <a:t>5/13/2021</a:t>
             </a:fld>
             <a:endParaRPr lang="en-US"/>
           </a:p>
@@ -1046,7 +1046,7 @@
             <a:fld id="{1D8BD707-D9CF-40AE-B4C6-C98DA3205C09}" type="datetimeFigureOut">
               <a:rPr lang="en-US" smtClean="0"/>
               <a:pPr/>
-              <a:t>7/22/2012</a:t>
+              <a:t>5/13/2021</a:t>
             </a:fld>
             <a:endParaRPr lang="en-US"/>
           </a:p>
@@ -1464,7 +1464,7 @@
             <a:fld id="{1D8BD707-D9CF-40AE-B4C6-C98DA3205C09}" type="datetimeFigureOut">
               <a:rPr lang="en-US" smtClean="0"/>
               <a:pPr/>
-              <a:t>7/22/2012</a:t>
+              <a:t>5/13/2021</a:t>
             </a:fld>
             <a:endParaRPr lang="en-US"/>
           </a:p>
@@ -1708,7 +1708,7 @@
             <a:fld id="{1D8BD707-D9CF-40AE-B4C6-C98DA3205C09}" type="datetimeFigureOut">
               <a:rPr lang="en-US" smtClean="0"/>
               <a:pPr/>
-              <a:t>7/22/2012</a:t>
+              <a:t>5/13/2021</a:t>
             </a:fld>
             <a:endParaRPr lang="en-US"/>
           </a:p>
@@ -1946,7 +1946,7 @@
             <a:fld id="{1D8BD707-D9CF-40AE-B4C6-C98DA3205C09}" type="datetimeFigureOut">
               <a:rPr lang="en-US" smtClean="0"/>
               <a:pPr/>
-              <a:t>7/22/2012</a:t>
+              <a:t>5/13/2021</a:t>
             </a:fld>
             <a:endParaRPr lang="en-US"/>
           </a:p>
@@ -2143,7 +2143,7 @@
             <a:fld id="{1D8BD707-D9CF-40AE-B4C6-C98DA3205C09}" type="datetimeFigureOut">
               <a:rPr lang="en-US" smtClean="0"/>
               <a:pPr/>
-              <a:t>7/22/2012</a:t>
+              <a:t>5/13/2021</a:t>
             </a:fld>
             <a:endParaRPr lang="en-US"/>
           </a:p>
@@ -2243,7 +2243,7 @@
             <a:fld id="{1D8BD707-D9CF-40AE-B4C6-C98DA3205C09}" type="datetimeFigureOut">
               <a:rPr lang="en-US" smtClean="0"/>
               <a:pPr/>
-              <a:t>7/22/2012</a:t>
+              <a:t>5/13/2021</a:t>
             </a:fld>
             <a:endParaRPr lang="en-US"/>
           </a:p>
@@ -2381,7 +2381,7 @@
             <a:fld id="{1D8BD707-D9CF-40AE-B4C6-C98DA3205C09}" type="datetimeFigureOut">
               <a:rPr lang="en-US" smtClean="0"/>
               <a:pPr/>
-              <a:t>7/22/2012</a:t>
+              <a:t>5/13/2021</a:t>
             </a:fld>
             <a:endParaRPr lang="en-US"/>
           </a:p>
@@ -2901,7 +2901,7 @@
             <a:fld id="{1D8BD707-D9CF-40AE-B4C6-C98DA3205C09}" type="datetimeFigureOut">
               <a:rPr lang="en-US" smtClean="0"/>
               <a:pPr/>
-              <a:t>7/22/2012</a:t>
+              <a:t>5/13/2021</a:t>
             </a:fld>
             <a:endParaRPr lang="en-US"/>
           </a:p>
@@ -3164,7 +3164,7 @@
             <a:fld id="{1D8BD707-D9CF-40AE-B4C6-C98DA3205C09}" type="datetimeFigureOut">
               <a:rPr lang="en-US" smtClean="0"/>
               <a:pPr/>
-              <a:t>7/22/2012</a:t>
+              <a:t>5/13/2021</a:t>
             </a:fld>
             <a:endParaRPr lang="en-US"/>
           </a:p>
@@ -3813,7 +3813,7 @@
                   </a:schemeClr>
                 </a:solidFill>
               </a:rPr>
-              <a:t>manipulating and retrieving </a:t>
+              <a:t>retrieving </a:t>
             </a:r>
             <a:r>
               <a:rPr lang="en-US" dirty="0" smtClean="0">
@@ -3824,27 +3824,8 @@
                   </a:schemeClr>
                 </a:solidFill>
               </a:rPr>
-              <a:t>data</a:t>
-            </a:r>
-            <a:r>
-              <a:rPr lang="en-US" dirty="0" smtClean="0">
-                <a:solidFill>
-                  <a:schemeClr val="tx1">
-                    <a:lumMod val="85000"/>
-                    <a:lumOff val="15000"/>
-                  </a:schemeClr>
-                </a:solidFill>
-              </a:rPr>
-              <a:t>.</a:t>
-            </a:r>
-            <a:endParaRPr lang="en-US" dirty="0" smtClean="0">
-              <a:solidFill>
-                <a:schemeClr val="tx1">
-                  <a:lumMod val="85000"/>
-                  <a:lumOff val="15000"/>
-                </a:schemeClr>
-              </a:solidFill>
-            </a:endParaRPr>
+              <a:t>data.</a:t>
+            </a:r>
           </a:p>
         </p:txBody>
       </p:sp>
@@ -3939,8 +3920,10 @@
                   </a:schemeClr>
                 </a:solidFill>
               </a:rPr>
-              <a:t>In Disconnected architecture </a:t>
-            </a:r>
+              <a:t>In Disconnected architecture once store the records in the dataset further database connection is not required. </a:t>
+            </a:r>
+          </a:p>
+          <a:p>
             <a:r>
               <a:rPr lang="en-US" dirty="0" smtClean="0">
                 <a:solidFill>
@@ -3950,31 +3933,7 @@
                   </a:schemeClr>
                 </a:solidFill>
               </a:rPr>
-              <a:t>once store the records in the dataset further database connection is not required. </a:t>
-            </a:r>
-          </a:p>
-          <a:p>
-            <a:r>
-              <a:rPr lang="en-US" dirty="0" smtClean="0">
-                <a:solidFill>
-                  <a:schemeClr val="tx1">
-                    <a:lumMod val="85000"/>
-                    <a:lumOff val="15000"/>
-                  </a:schemeClr>
-                </a:solidFill>
-              </a:rPr>
-              <a:t>the </a:t>
-            </a:r>
-            <a:r>
-              <a:rPr lang="en-US" dirty="0" smtClean="0">
-                <a:solidFill>
-                  <a:schemeClr val="tx1">
-                    <a:lumMod val="85000"/>
-                    <a:lumOff val="15000"/>
-                  </a:schemeClr>
-                </a:solidFill>
-              </a:rPr>
-              <a:t>application maintain table records without always maintain connection with database.</a:t>
+              <a:t>the application maintain table records without always maintain connection with database.</a:t>
             </a:r>
           </a:p>
           <a:p>
@@ -4046,7 +4005,7 @@
           <a:blip r:embed="rId2">
             <a:extLst>
               <a:ext uri="{28A0092B-C50C-407E-A947-70E740481C1C}">
-                <a14:useLocalDpi xmlns:a14="http://schemas.microsoft.com/office/drawing/2010/main" xmlns="" val="0"/>
+                <a14:useLocalDpi xmlns:a14="http://schemas.microsoft.com/office/drawing/2010/main" val="0"/>
               </a:ext>
             </a:extLst>
           </a:blip>
@@ -4066,7 +4025,7 @@
           <a:noFill/>
           <a:extLst>
             <a:ext uri="{909E8E84-426E-40DD-AFC4-6F175D3DCCD1}">
-              <a14:hiddenFill xmlns:a14="http://schemas.microsoft.com/office/drawing/2010/main" xmlns="">
+              <a14:hiddenFill xmlns:a14="http://schemas.microsoft.com/office/drawing/2010/main">
                 <a:solidFill>
                   <a:srgbClr val="FFFFFF"/>
                 </a:solidFill>
